--- a/presentation/expected_goals_slides.pptx
+++ b/presentation/expected_goals_slides.pptx
@@ -293,7 +293,7 @@
       </p15:sldGuideLst>
     </p:ext>
     <p:ext uri="http://customooxmlschemas.google.com/">
-      <go:slidesCustomData xmlns:go="http://customooxmlschemas.google.com/" r:id="rId38" roundtripDataSignature="AMtx7mhm2FCAebDM4+cPYO7vZi5YrAj1zQ=="/>
+      <go:slidesCustomData xmlns:go="http://customooxmlschemas.google.com/" r:id="rId38" roundtripDataSignature="AMtx7mhd1pEXUiyQWC7lVwAaZB6CnQT9rw=="/>
     </p:ext>
   </p:extLst>
 </p:presentation>
@@ -1205,7 +1205,8 @@
               <a:buNone/>
             </a:pPr>
             <a:r>
-              <a:t/>
+              <a:rPr lang="en" sz="1000"/>
+              <a:t>xG is measured from 0-1 with 0 being no goal and 1 being goal</a:t>
             </a:r>
             <a:endParaRPr sz="1000"/>
           </a:p>
@@ -1326,7 +1327,8 @@
               <a:buNone/>
             </a:pPr>
             <a:r>
-              <a:t/>
+              <a:rPr lang="en" sz="1000"/>
+              <a:t>This is the baseline goal ratio from which to compare other features</a:t>
             </a:r>
             <a:endParaRPr sz="1000"/>
           </a:p>
@@ -1558,7 +1560,7 @@
                 <a:spcPts val="0"/>
               </a:spcBef>
               <a:spcAft>
-                <a:spcPts val="1600"/>
+                <a:spcPts val="0"/>
               </a:spcAft>
               <a:buClr>
                 <a:schemeClr val="dk1"/>
@@ -1568,7 +1570,32 @@
               <a:buNone/>
             </a:pPr>
             <a:r>
-              <a:t/>
+              <a:rPr lang="en" sz="1000"/>
+              <a:t>The ratio of shots skews toward 10-30yards, however, the ratio of goals skews toward 0-20yards.</a:t>
+            </a:r>
+            <a:endParaRPr sz="1000"/>
+          </a:p>
+          <a:p>
+            <a:pPr indent="0" lvl="0" marL="0" rtl="0" algn="l">
+              <a:lnSpc>
+                <a:spcPct val="115000"/>
+              </a:lnSpc>
+              <a:spcBef>
+                <a:spcPts val="1600"/>
+              </a:spcBef>
+              <a:spcAft>
+                <a:spcPts val="1600"/>
+              </a:spcAft>
+              <a:buClr>
+                <a:schemeClr val="dk1"/>
+              </a:buClr>
+              <a:buSzPts val="1100"/>
+              <a:buFont typeface="Arial"/>
+              <a:buNone/>
+            </a:pPr>
+            <a:r>
+              <a:rPr lang="en" sz="1000"/>
+              <a:t>Also, the ratio of goals per capita is significantly higher, as well as significantly higher than the baseline goal ration in the 0-20yard range</a:t>
             </a:r>
             <a:endParaRPr sz="1000"/>
           </a:p>
@@ -2042,7 +2069,7 @@
                 <a:spcPts val="0"/>
               </a:spcBef>
               <a:spcAft>
-                <a:spcPts val="1600"/>
+                <a:spcPts val="0"/>
               </a:spcAft>
               <a:buClr>
                 <a:schemeClr val="dk1"/>
@@ -2052,7 +2079,80 @@
               <a:buNone/>
             </a:pPr>
             <a:r>
-              <a:t/>
+              <a:rPr lang="en" sz="1000"/>
+              <a:t>A higher ratio of goals per capita are scored from the left</a:t>
+            </a:r>
+            <a:endParaRPr sz="1000"/>
+          </a:p>
+          <a:p>
+            <a:pPr indent="0" lvl="0" marL="0" rtl="0" algn="l">
+              <a:lnSpc>
+                <a:spcPct val="115000"/>
+              </a:lnSpc>
+              <a:spcBef>
+                <a:spcPts val="1600"/>
+              </a:spcBef>
+              <a:spcAft>
+                <a:spcPts val="0"/>
+              </a:spcAft>
+              <a:buClr>
+                <a:schemeClr val="dk1"/>
+              </a:buClr>
+              <a:buSzPts val="1100"/>
+              <a:buFont typeface="Arial"/>
+              <a:buNone/>
+            </a:pPr>
+            <a:r>
+              <a:rPr lang="en" sz="1000"/>
+              <a:t>This is likely due to most players being right footed:</a:t>
+            </a:r>
+            <a:endParaRPr sz="1000"/>
+          </a:p>
+          <a:p>
+            <a:pPr indent="0" lvl="0" marL="0" rtl="0" algn="l">
+              <a:lnSpc>
+                <a:spcPct val="115000"/>
+              </a:lnSpc>
+              <a:spcBef>
+                <a:spcPts val="1600"/>
+              </a:spcBef>
+              <a:spcAft>
+                <a:spcPts val="0"/>
+              </a:spcAft>
+              <a:buClr>
+                <a:schemeClr val="dk1"/>
+              </a:buClr>
+              <a:buSzPts val="1100"/>
+              <a:buFont typeface="Arial"/>
+              <a:buNone/>
+            </a:pPr>
+            <a:r>
+              <a:rPr lang="en" sz="1000"/>
+              <a:t>It is generally easier and more accurate to shoot with the inside-foot (right foot from the left)</a:t>
+            </a:r>
+            <a:endParaRPr sz="1000"/>
+          </a:p>
+          <a:p>
+            <a:pPr indent="0" lvl="0" marL="0" rtl="0" algn="l">
+              <a:lnSpc>
+                <a:spcPct val="115000"/>
+              </a:lnSpc>
+              <a:spcBef>
+                <a:spcPts val="1600"/>
+              </a:spcBef>
+              <a:spcAft>
+                <a:spcPts val="1600"/>
+              </a:spcAft>
+              <a:buClr>
+                <a:schemeClr val="dk1"/>
+              </a:buClr>
+              <a:buSzPts val="1100"/>
+              <a:buFont typeface="Arial"/>
+              <a:buNone/>
+            </a:pPr>
+            <a:r>
+              <a:rPr lang="en" sz="1000"/>
+              <a:t>It is generally easier and more accurate to cross with the outside-foot (right-foot from the right) and crosses typically are aimed across goal and finished on the opposite side</a:t>
             </a:r>
             <a:endParaRPr sz="1000"/>
           </a:p>
@@ -2294,7 +2394,8 @@
               <a:buNone/>
             </a:pPr>
             <a:r>
-              <a:t/>
+              <a:rPr lang="en" sz="1000"/>
+              <a:t>Brian McBride, former US Men’s National team star, played with the Rampage during the 1993 season</a:t>
             </a:r>
             <a:endParaRPr sz="1000"/>
           </a:p>
@@ -2526,7 +2627,7 @@
                 <a:spcPts val="0"/>
               </a:spcBef>
               <a:spcAft>
-                <a:spcPts val="1600"/>
+                <a:spcPts val="0"/>
               </a:spcAft>
               <a:buClr>
                 <a:schemeClr val="dk1"/>
@@ -2536,7 +2637,32 @@
               <a:buNone/>
             </a:pPr>
             <a:r>
-              <a:t/>
+              <a:rPr lang="en" sz="1000"/>
+              <a:t>xG was applied to the original data</a:t>
+            </a:r>
+            <a:endParaRPr sz="1000"/>
+          </a:p>
+          <a:p>
+            <a:pPr indent="0" lvl="0" marL="0" rtl="0" algn="l">
+              <a:lnSpc>
+                <a:spcPct val="115000"/>
+              </a:lnSpc>
+              <a:spcBef>
+                <a:spcPts val="1600"/>
+              </a:spcBef>
+              <a:spcAft>
+                <a:spcPts val="1600"/>
+              </a:spcAft>
+              <a:buClr>
+                <a:schemeClr val="dk1"/>
+              </a:buClr>
+              <a:buSzPts val="1100"/>
+              <a:buFont typeface="Arial"/>
+              <a:buNone/>
+            </a:pPr>
+            <a:r>
+              <a:rPr lang="en" sz="1000"/>
+              <a:t>The data was then filtered to measure the accumulation of xG across shots per player, as well the accumulation of goals per player, and finally the difference between xG and actual goals</a:t>
             </a:r>
             <a:endParaRPr sz="1000"/>
           </a:p>
@@ -2657,7 +2783,12 @@
               <a:buNone/>
             </a:pPr>
             <a:r>
-              <a:t/>
+              <a:rPr lang="en" sz="1000"/>
+              <a:t>The same xG, goal, and xG </a:t>
+            </a:r>
+            <a:r>
+              <a:rPr lang="en" sz="1000"/>
+              <a:t>difference accumulations can be applied per team</a:t>
             </a:r>
             <a:endParaRPr sz="1000"/>
           </a:p>
@@ -3617,7 +3748,8 @@
               <a:buNone/>
             </a:pPr>
             <a:r>
-              <a:t/>
+              <a:rPr lang="en" sz="1000"/>
+              <a:t>The Milwaukee Wave are the longest continuously running professional soccer team in the US</a:t>
             </a:r>
             <a:endParaRPr sz="1000"/>
           </a:p>
@@ -3728,7 +3860,7 @@
                 <a:spcPts val="0"/>
               </a:spcBef>
               <a:spcAft>
-                <a:spcPts val="1600"/>
+                <a:spcPts val="0"/>
               </a:spcAft>
               <a:buClr>
                 <a:schemeClr val="dk1"/>
@@ -3738,7 +3870,64 @@
               <a:buNone/>
             </a:pPr>
             <a:r>
-              <a:t/>
+              <a:rPr lang="en" sz="1000"/>
+              <a:t>The Rampage are looking to capitalize on the growth of women’s soccer within the US.</a:t>
+            </a:r>
+            <a:endParaRPr sz="1000"/>
+          </a:p>
+          <a:p>
+            <a:pPr indent="0" lvl="0" marL="0" rtl="0" algn="l">
+              <a:lnSpc>
+                <a:spcPct val="115000"/>
+              </a:lnSpc>
+              <a:spcBef>
+                <a:spcPts val="1600"/>
+              </a:spcBef>
+              <a:spcAft>
+                <a:spcPts val="0"/>
+              </a:spcAft>
+              <a:buClr>
+                <a:schemeClr val="dk1"/>
+              </a:buClr>
+              <a:buSzPts val="1100"/>
+              <a:buFont typeface="Arial"/>
+              <a:buNone/>
+            </a:pPr>
+            <a:r>
+              <a:rPr lang="en" sz="1000"/>
+              <a:t>The US women’s national team consistently </a:t>
+            </a:r>
+            <a:r>
+              <a:rPr lang="en" sz="1000"/>
+              <a:t>receives</a:t>
+            </a:r>
+            <a:r>
+              <a:rPr lang="en" sz="1000"/>
+              <a:t> higher tv ratings than the US men’s national team</a:t>
+            </a:r>
+            <a:endParaRPr sz="1000"/>
+          </a:p>
+          <a:p>
+            <a:pPr indent="0" lvl="0" marL="0" rtl="0" algn="l">
+              <a:lnSpc>
+                <a:spcPct val="115000"/>
+              </a:lnSpc>
+              <a:spcBef>
+                <a:spcPts val="1600"/>
+              </a:spcBef>
+              <a:spcAft>
+                <a:spcPts val="1600"/>
+              </a:spcAft>
+              <a:buClr>
+                <a:schemeClr val="dk1"/>
+              </a:buClr>
+              <a:buSzPts val="1100"/>
+              <a:buFont typeface="Arial"/>
+              <a:buNone/>
+            </a:pPr>
+            <a:r>
+              <a:rPr lang="en" sz="1000"/>
+              <a:t>The NWSL is considered one of the top women’s club soccer leagues in the world</a:t>
             </a:r>
             <a:endParaRPr sz="1000"/>
           </a:p>
@@ -3859,7 +4048,16 @@
               <a:buNone/>
             </a:pPr>
             <a:r>
-              <a:t/>
+              <a:rPr lang="en" sz="1000"/>
+              <a:t>The Rampage are in the process of building their support staff and infrastructure and have prioritized a data science department as a means to maximize the teams efficacy in increasing the team’s goal-scoring, both as a means of improving match results, but, equally </a:t>
+            </a:r>
+            <a:r>
+              <a:rPr lang="en" sz="1000"/>
+              <a:t>importantly</a:t>
+            </a:r>
+            <a:r>
+              <a:rPr lang="en" sz="1000"/>
+              <a:t>, increasing the entertainment value, and, hopefully, as a result revenue</a:t>
             </a:r>
             <a:endParaRPr sz="1000"/>
           </a:p>
@@ -14226,8 +14424,8 @@
         </p:blipFill>
         <p:spPr>
           <a:xfrm>
-            <a:off x="311700" y="1681357"/>
-            <a:ext cx="8520575" cy="2695161"/>
+            <a:off x="311705" y="1483673"/>
+            <a:ext cx="8520600" cy="2995827"/>
           </a:xfrm>
           <a:prstGeom prst="rect">
             <a:avLst/>
@@ -20865,6 +21063,285 @@
 </file>
 
 <file path=ppt/theme/theme1.xml><?xml version="1.0" encoding="utf-8"?>
+<a:theme xmlns:a="http://schemas.openxmlformats.org/drawingml/2006/main" xmlns:r="http://schemas.openxmlformats.org/officeDocument/2006/relationships" name="Spearmint">
+  <a:themeElements>
+    <a:clrScheme name="Spearmint">
+      <a:dk1>
+        <a:srgbClr val="202729"/>
+      </a:dk1>
+      <a:lt1>
+        <a:srgbClr val="FFFFFF"/>
+      </a:lt1>
+      <a:dk2>
+        <a:srgbClr val="4BA173"/>
+      </a:dk2>
+      <a:lt2>
+        <a:srgbClr val="63D297"/>
+      </a:lt2>
+      <a:accent1>
+        <a:srgbClr val="353744"/>
+      </a:accent1>
+      <a:accent2>
+        <a:srgbClr val="424242"/>
+      </a:accent2>
+      <a:accent3>
+        <a:srgbClr val="616161"/>
+      </a:accent3>
+      <a:accent4>
+        <a:srgbClr val="999999"/>
+      </a:accent4>
+      <a:accent5>
+        <a:srgbClr val="FF5252"/>
+      </a:accent5>
+      <a:accent6>
+        <a:srgbClr val="FFF176"/>
+      </a:accent6>
+      <a:hlink>
+        <a:srgbClr val="FF5252"/>
+      </a:hlink>
+      <a:folHlink>
+        <a:srgbClr val="FF5252"/>
+      </a:folHlink>
+    </a:clrScheme>
+    <a:fontScheme name="Office">
+      <a:majorFont>
+        <a:latin typeface="Arial"/>
+        <a:ea typeface=""/>
+        <a:cs typeface=""/>
+        <a:font script="Jpan" typeface="ＭＳ Ｐゴシック"/>
+        <a:font script="Hang" typeface="맑은 고딕"/>
+        <a:font script="Hans" typeface="宋体"/>
+        <a:font script="Hant" typeface="新細明體"/>
+        <a:font script="Arab" typeface="Times New Roman"/>
+        <a:font script="Hebr" typeface="Times New Roman"/>
+        <a:font script="Thai" typeface="Angsana New"/>
+        <a:font script="Ethi" typeface="Nyala"/>
+        <a:font script="Beng" typeface="Vrinda"/>
+        <a:font script="Gujr" typeface="Shruti"/>
+        <a:font script="Khmr" typeface="MoolBoran"/>
+        <a:font script="Knda" typeface="Tunga"/>
+        <a:font script="Guru" typeface="Raavi"/>
+        <a:font script="Cans" typeface="Euphemia"/>
+        <a:font script="Cher" typeface="Plantagenet Cherokee"/>
+        <a:font script="Yiii" typeface="Microsoft Yi Baiti"/>
+        <a:font script="Tibt" typeface="Microsoft Himalaya"/>
+        <a:font script="Thaa" typeface="MV Boli"/>
+        <a:font script="Deva" typeface="Mangal"/>
+        <a:font script="Telu" typeface="Gautami"/>
+        <a:font script="Taml" typeface="Latha"/>
+        <a:font script="Syrc" typeface="Estrangelo Edessa"/>
+        <a:font script="Orya" typeface="Kalinga"/>
+        <a:font script="Mlym" typeface="Kartika"/>
+        <a:font script="Laoo" typeface="DokChampa"/>
+        <a:font script="Sinh" typeface="Iskoola Pota"/>
+        <a:font script="Mong" typeface="Mongolian Baiti"/>
+        <a:font script="Viet" typeface="Times New Roman"/>
+        <a:font script="Uigh" typeface="Microsoft Uighur"/>
+        <a:font script="Geor" typeface="Sylfaen"/>
+      </a:majorFont>
+      <a:minorFont>
+        <a:latin typeface="Arial"/>
+        <a:ea typeface=""/>
+        <a:cs typeface=""/>
+        <a:font script="Jpan" typeface="ＭＳ Ｐゴシック"/>
+        <a:font script="Hang" typeface="맑은 고딕"/>
+        <a:font script="Hans" typeface="宋体"/>
+        <a:font script="Hant" typeface="新細明體"/>
+        <a:font script="Arab" typeface="Arial"/>
+        <a:font script="Hebr" typeface="Arial"/>
+        <a:font script="Thai" typeface="Cordia New"/>
+        <a:font script="Ethi" typeface="Nyala"/>
+        <a:font script="Beng" typeface="Vrinda"/>
+        <a:font script="Gujr" typeface="Shruti"/>
+        <a:font script="Khmr" typeface="DaunPenh"/>
+        <a:font script="Knda" typeface="Tunga"/>
+        <a:font script="Guru" typeface="Raavi"/>
+        <a:font script="Cans" typeface="Euphemia"/>
+        <a:font script="Cher" typeface="Plantagenet Cherokee"/>
+        <a:font script="Yiii" typeface="Microsoft Yi Baiti"/>
+        <a:font script="Tibt" typeface="Microsoft Himalaya"/>
+        <a:font script="Thaa" typeface="MV Boli"/>
+        <a:font script="Deva" typeface="Mangal"/>
+        <a:font script="Telu" typeface="Gautami"/>
+        <a:font script="Taml" typeface="Latha"/>
+        <a:font script="Syrc" typeface="Estrangelo Edessa"/>
+        <a:font script="Orya" typeface="Kalinga"/>
+        <a:font script="Mlym" typeface="Kartika"/>
+        <a:font script="Laoo" typeface="DokChampa"/>
+        <a:font script="Sinh" typeface="Iskoola Pota"/>
+        <a:font script="Mong" typeface="Mongolian Baiti"/>
+        <a:font script="Viet" typeface="Arial"/>
+        <a:font script="Uigh" typeface="Microsoft Uighur"/>
+        <a:font script="Geor" typeface="Sylfaen"/>
+      </a:minorFont>
+    </a:fontScheme>
+    <a:fmtScheme name="Office">
+      <a:fillStyleLst>
+        <a:solidFill>
+          <a:schemeClr val="phClr"/>
+        </a:solidFill>
+        <a:gradFill rotWithShape="1">
+          <a:gsLst>
+            <a:gs pos="0">
+              <a:schemeClr val="phClr">
+                <a:tint val="50000"/>
+                <a:satMod val="300000"/>
+              </a:schemeClr>
+            </a:gs>
+            <a:gs pos="35000">
+              <a:schemeClr val="phClr">
+                <a:tint val="37000"/>
+                <a:satMod val="300000"/>
+              </a:schemeClr>
+            </a:gs>
+            <a:gs pos="100000">
+              <a:schemeClr val="phClr">
+                <a:tint val="15000"/>
+                <a:satMod val="350000"/>
+              </a:schemeClr>
+            </a:gs>
+          </a:gsLst>
+          <a:lin ang="16200000" scaled="1"/>
+        </a:gradFill>
+        <a:gradFill rotWithShape="1">
+          <a:gsLst>
+            <a:gs pos="0">
+              <a:schemeClr val="phClr">
+                <a:tint val="100000"/>
+                <a:shade val="100000"/>
+                <a:satMod val="130000"/>
+              </a:schemeClr>
+            </a:gs>
+            <a:gs pos="100000">
+              <a:schemeClr val="phClr">
+                <a:tint val="50000"/>
+                <a:shade val="100000"/>
+                <a:satMod val="350000"/>
+              </a:schemeClr>
+            </a:gs>
+          </a:gsLst>
+          <a:lin ang="16200000" scaled="0"/>
+        </a:gradFill>
+      </a:fillStyleLst>
+      <a:lnStyleLst>
+        <a:ln w="9525" cap="flat" cmpd="sng" algn="ctr">
+          <a:solidFill>
+            <a:schemeClr val="phClr">
+              <a:shade val="95000"/>
+              <a:satMod val="105000"/>
+            </a:schemeClr>
+          </a:solidFill>
+          <a:prstDash val="solid"/>
+        </a:ln>
+        <a:ln w="25400" cap="flat" cmpd="sng" algn="ctr">
+          <a:solidFill>
+            <a:schemeClr val="phClr"/>
+          </a:solidFill>
+          <a:prstDash val="solid"/>
+        </a:ln>
+        <a:ln w="38100" cap="flat" cmpd="sng" algn="ctr">
+          <a:solidFill>
+            <a:schemeClr val="phClr"/>
+          </a:solidFill>
+          <a:prstDash val="solid"/>
+        </a:ln>
+      </a:lnStyleLst>
+      <a:effectStyleLst>
+        <a:effectStyle>
+          <a:effectLst>
+            <a:outerShdw blurRad="40000" dist="20000" dir="5400000" rotWithShape="0">
+              <a:srgbClr val="000000">
+                <a:alpha val="38000"/>
+              </a:srgbClr>
+            </a:outerShdw>
+          </a:effectLst>
+        </a:effectStyle>
+        <a:effectStyle>
+          <a:effectLst>
+            <a:outerShdw blurRad="40000" dist="23000" dir="5400000" rotWithShape="0">
+              <a:srgbClr val="000000">
+                <a:alpha val="35000"/>
+              </a:srgbClr>
+            </a:outerShdw>
+          </a:effectLst>
+        </a:effectStyle>
+        <a:effectStyle>
+          <a:effectLst>
+            <a:outerShdw blurRad="40000" dist="23000" dir="5400000" rotWithShape="0">
+              <a:srgbClr val="000000">
+                <a:alpha val="35000"/>
+              </a:srgbClr>
+            </a:outerShdw>
+          </a:effectLst>
+          <a:scene3d>
+            <a:camera prst="orthographicFront">
+              <a:rot lat="0" lon="0" rev="0"/>
+            </a:camera>
+            <a:lightRig rig="threePt" dir="t">
+              <a:rot lat="0" lon="0" rev="1200000"/>
+            </a:lightRig>
+          </a:scene3d>
+          <a:sp3d>
+            <a:bevelT w="63500" h="25400"/>
+          </a:sp3d>
+        </a:effectStyle>
+      </a:effectStyleLst>
+      <a:bgFillStyleLst>
+        <a:solidFill>
+          <a:schemeClr val="phClr"/>
+        </a:solidFill>
+        <a:gradFill rotWithShape="1">
+          <a:gsLst>
+            <a:gs pos="0">
+              <a:schemeClr val="phClr">
+                <a:tint val="40000"/>
+                <a:satMod val="350000"/>
+              </a:schemeClr>
+            </a:gs>
+            <a:gs pos="40000">
+              <a:schemeClr val="phClr">
+                <a:tint val="45000"/>
+                <a:shade val="99000"/>
+                <a:satMod val="350000"/>
+              </a:schemeClr>
+            </a:gs>
+            <a:gs pos="100000">
+              <a:schemeClr val="phClr">
+                <a:shade val="20000"/>
+                <a:satMod val="255000"/>
+              </a:schemeClr>
+            </a:gs>
+          </a:gsLst>
+          <a:path path="circle">
+            <a:fillToRect l="50000" t="-80000" r="50000" b="180000"/>
+          </a:path>
+        </a:gradFill>
+        <a:gradFill rotWithShape="1">
+          <a:gsLst>
+            <a:gs pos="0">
+              <a:schemeClr val="phClr">
+                <a:tint val="80000"/>
+                <a:satMod val="300000"/>
+              </a:schemeClr>
+            </a:gs>
+            <a:gs pos="100000">
+              <a:schemeClr val="phClr">
+                <a:shade val="30000"/>
+                <a:satMod val="200000"/>
+              </a:schemeClr>
+            </a:gs>
+          </a:gsLst>
+          <a:path path="circle">
+            <a:fillToRect l="50000" t="50000" r="50000" b="50000"/>
+          </a:path>
+        </a:gradFill>
+      </a:bgFillStyleLst>
+    </a:fmtScheme>
+  </a:themeElements>
+</a:theme>
+</file>
+
+<file path=ppt/theme/theme2.xml><?xml version="1.0" encoding="utf-8"?>
 <a:theme xmlns:a="http://schemas.openxmlformats.org/drawingml/2006/main" xmlns:r="http://schemas.openxmlformats.org/officeDocument/2006/relationships">
   <a:themeElements>
     <a:clrScheme name="Default">
@@ -21141,283 +21618,4 @@
     </a:fmtScheme>
   </a:themeElements>
 </a:theme>
-</file>
-
-<file path=ppt/theme/theme2.xml><?xml version="1.0" encoding="utf-8"?>
-<a:theme xmlns:a="http://schemas.openxmlformats.org/drawingml/2006/main" xmlns:r="http://schemas.openxmlformats.org/officeDocument/2006/relationships" name="Spearmint">
-  <a:themeElements>
-    <a:clrScheme name="Spearmint">
-      <a:dk1>
-        <a:srgbClr val="202729"/>
-      </a:dk1>
-      <a:lt1>
-        <a:srgbClr val="FFFFFF"/>
-      </a:lt1>
-      <a:dk2>
-        <a:srgbClr val="4BA173"/>
-      </a:dk2>
-      <a:lt2>
-        <a:srgbClr val="63D297"/>
-      </a:lt2>
-      <a:accent1>
-        <a:srgbClr val="353744"/>
-      </a:accent1>
-      <a:accent2>
-        <a:srgbClr val="424242"/>
-      </a:accent2>
-      <a:accent3>
-        <a:srgbClr val="616161"/>
-      </a:accent3>
-      <a:accent4>
-        <a:srgbClr val="999999"/>
-      </a:accent4>
-      <a:accent5>
-        <a:srgbClr val="FF5252"/>
-      </a:accent5>
-      <a:accent6>
-        <a:srgbClr val="FFF176"/>
-      </a:accent6>
-      <a:hlink>
-        <a:srgbClr val="FF5252"/>
-      </a:hlink>
-      <a:folHlink>
-        <a:srgbClr val="FF5252"/>
-      </a:folHlink>
-    </a:clrScheme>
-    <a:fontScheme name="Office">
-      <a:majorFont>
-        <a:latin typeface="Arial"/>
-        <a:ea typeface=""/>
-        <a:cs typeface=""/>
-        <a:font script="Jpan" typeface="ＭＳ Ｐゴシック"/>
-        <a:font script="Hang" typeface="맑은 고딕"/>
-        <a:font script="Hans" typeface="宋体"/>
-        <a:font script="Hant" typeface="新細明體"/>
-        <a:font script="Arab" typeface="Times New Roman"/>
-        <a:font script="Hebr" typeface="Times New Roman"/>
-        <a:font script="Thai" typeface="Angsana New"/>
-        <a:font script="Ethi" typeface="Nyala"/>
-        <a:font script="Beng" typeface="Vrinda"/>
-        <a:font script="Gujr" typeface="Shruti"/>
-        <a:font script="Khmr" typeface="MoolBoran"/>
-        <a:font script="Knda" typeface="Tunga"/>
-        <a:font script="Guru" typeface="Raavi"/>
-        <a:font script="Cans" typeface="Euphemia"/>
-        <a:font script="Cher" typeface="Plantagenet Cherokee"/>
-        <a:font script="Yiii" typeface="Microsoft Yi Baiti"/>
-        <a:font script="Tibt" typeface="Microsoft Himalaya"/>
-        <a:font script="Thaa" typeface="MV Boli"/>
-        <a:font script="Deva" typeface="Mangal"/>
-        <a:font script="Telu" typeface="Gautami"/>
-        <a:font script="Taml" typeface="Latha"/>
-        <a:font script="Syrc" typeface="Estrangelo Edessa"/>
-        <a:font script="Orya" typeface="Kalinga"/>
-        <a:font script="Mlym" typeface="Kartika"/>
-        <a:font script="Laoo" typeface="DokChampa"/>
-        <a:font script="Sinh" typeface="Iskoola Pota"/>
-        <a:font script="Mong" typeface="Mongolian Baiti"/>
-        <a:font script="Viet" typeface="Times New Roman"/>
-        <a:font script="Uigh" typeface="Microsoft Uighur"/>
-        <a:font script="Geor" typeface="Sylfaen"/>
-      </a:majorFont>
-      <a:minorFont>
-        <a:latin typeface="Arial"/>
-        <a:ea typeface=""/>
-        <a:cs typeface=""/>
-        <a:font script="Jpan" typeface="ＭＳ Ｐゴシック"/>
-        <a:font script="Hang" typeface="맑은 고딕"/>
-        <a:font script="Hans" typeface="宋体"/>
-        <a:font script="Hant" typeface="新細明體"/>
-        <a:font script="Arab" typeface="Arial"/>
-        <a:font script="Hebr" typeface="Arial"/>
-        <a:font script="Thai" typeface="Cordia New"/>
-        <a:font script="Ethi" typeface="Nyala"/>
-        <a:font script="Beng" typeface="Vrinda"/>
-        <a:font script="Gujr" typeface="Shruti"/>
-        <a:font script="Khmr" typeface="DaunPenh"/>
-        <a:font script="Knda" typeface="Tunga"/>
-        <a:font script="Guru" typeface="Raavi"/>
-        <a:font script="Cans" typeface="Euphemia"/>
-        <a:font script="Cher" typeface="Plantagenet Cherokee"/>
-        <a:font script="Yiii" typeface="Microsoft Yi Baiti"/>
-        <a:font script="Tibt" typeface="Microsoft Himalaya"/>
-        <a:font script="Thaa" typeface="MV Boli"/>
-        <a:font script="Deva" typeface="Mangal"/>
-        <a:font script="Telu" typeface="Gautami"/>
-        <a:font script="Taml" typeface="Latha"/>
-        <a:font script="Syrc" typeface="Estrangelo Edessa"/>
-        <a:font script="Orya" typeface="Kalinga"/>
-        <a:font script="Mlym" typeface="Kartika"/>
-        <a:font script="Laoo" typeface="DokChampa"/>
-        <a:font script="Sinh" typeface="Iskoola Pota"/>
-        <a:font script="Mong" typeface="Mongolian Baiti"/>
-        <a:font script="Viet" typeface="Arial"/>
-        <a:font script="Uigh" typeface="Microsoft Uighur"/>
-        <a:font script="Geor" typeface="Sylfaen"/>
-      </a:minorFont>
-    </a:fontScheme>
-    <a:fmtScheme name="Office">
-      <a:fillStyleLst>
-        <a:solidFill>
-          <a:schemeClr val="phClr"/>
-        </a:solidFill>
-        <a:gradFill rotWithShape="1">
-          <a:gsLst>
-            <a:gs pos="0">
-              <a:schemeClr val="phClr">
-                <a:tint val="50000"/>
-                <a:satMod val="300000"/>
-              </a:schemeClr>
-            </a:gs>
-            <a:gs pos="35000">
-              <a:schemeClr val="phClr">
-                <a:tint val="37000"/>
-                <a:satMod val="300000"/>
-              </a:schemeClr>
-            </a:gs>
-            <a:gs pos="100000">
-              <a:schemeClr val="phClr">
-                <a:tint val="15000"/>
-                <a:satMod val="350000"/>
-              </a:schemeClr>
-            </a:gs>
-          </a:gsLst>
-          <a:lin ang="16200000" scaled="1"/>
-        </a:gradFill>
-        <a:gradFill rotWithShape="1">
-          <a:gsLst>
-            <a:gs pos="0">
-              <a:schemeClr val="phClr">
-                <a:tint val="100000"/>
-                <a:shade val="100000"/>
-                <a:satMod val="130000"/>
-              </a:schemeClr>
-            </a:gs>
-            <a:gs pos="100000">
-              <a:schemeClr val="phClr">
-                <a:tint val="50000"/>
-                <a:shade val="100000"/>
-                <a:satMod val="350000"/>
-              </a:schemeClr>
-            </a:gs>
-          </a:gsLst>
-          <a:lin ang="16200000" scaled="0"/>
-        </a:gradFill>
-      </a:fillStyleLst>
-      <a:lnStyleLst>
-        <a:ln w="9525" cap="flat" cmpd="sng" algn="ctr">
-          <a:solidFill>
-            <a:schemeClr val="phClr">
-              <a:shade val="95000"/>
-              <a:satMod val="105000"/>
-            </a:schemeClr>
-          </a:solidFill>
-          <a:prstDash val="solid"/>
-        </a:ln>
-        <a:ln w="25400" cap="flat" cmpd="sng" algn="ctr">
-          <a:solidFill>
-            <a:schemeClr val="phClr"/>
-          </a:solidFill>
-          <a:prstDash val="solid"/>
-        </a:ln>
-        <a:ln w="38100" cap="flat" cmpd="sng" algn="ctr">
-          <a:solidFill>
-            <a:schemeClr val="phClr"/>
-          </a:solidFill>
-          <a:prstDash val="solid"/>
-        </a:ln>
-      </a:lnStyleLst>
-      <a:effectStyleLst>
-        <a:effectStyle>
-          <a:effectLst>
-            <a:outerShdw blurRad="40000" dist="20000" dir="5400000" rotWithShape="0">
-              <a:srgbClr val="000000">
-                <a:alpha val="38000"/>
-              </a:srgbClr>
-            </a:outerShdw>
-          </a:effectLst>
-        </a:effectStyle>
-        <a:effectStyle>
-          <a:effectLst>
-            <a:outerShdw blurRad="40000" dist="23000" dir="5400000" rotWithShape="0">
-              <a:srgbClr val="000000">
-                <a:alpha val="35000"/>
-              </a:srgbClr>
-            </a:outerShdw>
-          </a:effectLst>
-        </a:effectStyle>
-        <a:effectStyle>
-          <a:effectLst>
-            <a:outerShdw blurRad="40000" dist="23000" dir="5400000" rotWithShape="0">
-              <a:srgbClr val="000000">
-                <a:alpha val="35000"/>
-              </a:srgbClr>
-            </a:outerShdw>
-          </a:effectLst>
-          <a:scene3d>
-            <a:camera prst="orthographicFront">
-              <a:rot lat="0" lon="0" rev="0"/>
-            </a:camera>
-            <a:lightRig rig="threePt" dir="t">
-              <a:rot lat="0" lon="0" rev="1200000"/>
-            </a:lightRig>
-          </a:scene3d>
-          <a:sp3d>
-            <a:bevelT w="63500" h="25400"/>
-          </a:sp3d>
-        </a:effectStyle>
-      </a:effectStyleLst>
-      <a:bgFillStyleLst>
-        <a:solidFill>
-          <a:schemeClr val="phClr"/>
-        </a:solidFill>
-        <a:gradFill rotWithShape="1">
-          <a:gsLst>
-            <a:gs pos="0">
-              <a:schemeClr val="phClr">
-                <a:tint val="40000"/>
-                <a:satMod val="350000"/>
-              </a:schemeClr>
-            </a:gs>
-            <a:gs pos="40000">
-              <a:schemeClr val="phClr">
-                <a:tint val="45000"/>
-                <a:shade val="99000"/>
-                <a:satMod val="350000"/>
-              </a:schemeClr>
-            </a:gs>
-            <a:gs pos="100000">
-              <a:schemeClr val="phClr">
-                <a:shade val="20000"/>
-                <a:satMod val="255000"/>
-              </a:schemeClr>
-            </a:gs>
-          </a:gsLst>
-          <a:path path="circle">
-            <a:fillToRect l="50000" t="-80000" r="50000" b="180000"/>
-          </a:path>
-        </a:gradFill>
-        <a:gradFill rotWithShape="1">
-          <a:gsLst>
-            <a:gs pos="0">
-              <a:schemeClr val="phClr">
-                <a:tint val="80000"/>
-                <a:satMod val="300000"/>
-              </a:schemeClr>
-            </a:gs>
-            <a:gs pos="100000">
-              <a:schemeClr val="phClr">
-                <a:shade val="30000"/>
-                <a:satMod val="200000"/>
-              </a:schemeClr>
-            </a:gs>
-          </a:gsLst>
-          <a:path path="circle">
-            <a:fillToRect l="50000" t="50000" r="50000" b="50000"/>
-          </a:path>
-        </a:gradFill>
-      </a:bgFillStyleLst>
-    </a:fmtScheme>
-  </a:themeElements>
-</a:theme>
 </file>
--- a/presentation/expected_goals_slides.pptx
+++ b/presentation/expected_goals_slides.pptx
@@ -17855,8 +17855,11 @@
           <a:lstStyle/>
           <a:p>
             <a:pPr indent="-355600" lvl="0" marL="457200" rtl="0" algn="l">
-              <a:spcBef>
-                <a:spcPts val="1200"/>
+              <a:lnSpc>
+                <a:spcPct val="135714"/>
+              </a:lnSpc>
+              <a:spcBef>
+                <a:spcPts val="0"/>
               </a:spcBef>
               <a:spcAft>
                 <a:spcPts val="0"/>
@@ -17874,7 +17877,23 @@
                   <a:srgbClr val="1B3F2C"/>
                 </a:solidFill>
               </a:rPr>
-              <a:t>Create a visual mapping shot location on a field diagram with a color-gradient for xG in order to visually represent the specific locations, based on distance and angle, with the highest xG</a:t>
+              <a:t>Create a visual mapping shot location on a field diagram with a color-gradient for xG applied to shot points, visually indicating the distances and angles with the </a:t>
+            </a:r>
+            <a:r>
+              <a:rPr lang="en" sz="2000">
+                <a:solidFill>
+                  <a:srgbClr val="1B3F2C"/>
+                </a:solidFill>
+              </a:rPr>
+              <a:t>highest</a:t>
+            </a:r>
+            <a:r>
+              <a:rPr lang="en" sz="2000">
+                <a:solidFill>
+                  <a:srgbClr val="1B3F2C"/>
+                </a:solidFill>
+              </a:rPr>
+              <a:t> xG</a:t>
             </a:r>
             <a:endParaRPr sz="2000">
               <a:solidFill>
@@ -18042,8 +18061,11 @@
           <a:lstStyle/>
           <a:p>
             <a:pPr indent="-355600" lvl="0" marL="457200" rtl="0" algn="l">
-              <a:spcBef>
-                <a:spcPts val="1200"/>
+              <a:lnSpc>
+                <a:spcPct val="135714"/>
+              </a:lnSpc>
+              <a:spcBef>
+                <a:spcPts val="0"/>
               </a:spcBef>
               <a:spcAft>
                 <a:spcPts val="0"/>
@@ -18061,7 +18083,7 @@
                   <a:srgbClr val="1B3F2C"/>
                 </a:solidFill>
               </a:rPr>
-              <a:t>Engineer a feature creating a triangle of vectors from the shot location to each post, then calculating opposition coordinates within the specified area</a:t>
+              <a:t>Engineer a feature creating a triangle of vectors from the shot location to each post of the goal, and then mapping if opposition players were between the shot and goal at the time of the shot</a:t>
             </a:r>
             <a:endParaRPr sz="2000">
               <a:solidFill>
@@ -18229,8 +18251,11 @@
           <a:lstStyle/>
           <a:p>
             <a:pPr indent="-355600" lvl="0" marL="457200" rtl="0" algn="l">
-              <a:spcBef>
-                <a:spcPts val="1200"/>
+              <a:lnSpc>
+                <a:spcPct val="135714"/>
+              </a:lnSpc>
+              <a:spcBef>
+                <a:spcPts val="0"/>
               </a:spcBef>
               <a:spcAft>
                 <a:spcPts val="0"/>
@@ -18248,7 +18273,7 @@
                   <a:srgbClr val="1B3F2C"/>
                 </a:solidFill>
               </a:rPr>
-              <a:t>Apply xG to match timestamp data, with a visual of the accumulated xG throughout the match v the actual score and outcome of the match</a:t>
+              <a:t>Apply xG to match timestamp data, tracking accumulated xG throughout the match v the actual score and final outcome of the match</a:t>
             </a:r>
             <a:endParaRPr sz="2000">
               <a:solidFill>
@@ -18416,8 +18441,11 @@
           <a:lstStyle/>
           <a:p>
             <a:pPr indent="-355600" lvl="0" marL="457200" rtl="0" algn="l">
-              <a:spcBef>
-                <a:spcPts val="1200"/>
+              <a:lnSpc>
+                <a:spcPct val="135714"/>
+              </a:lnSpc>
+              <a:spcBef>
+                <a:spcPts val="0"/>
               </a:spcBef>
               <a:spcAft>
                 <a:spcPts val="0"/>
@@ -18430,12 +18458,19 @@
               <a:buChar char="●"/>
             </a:pPr>
             <a:r>
-              <a:rPr lang="en" sz="2000">
-                <a:solidFill>
-                  <a:srgbClr val="1B3F2C"/>
-                </a:solidFill>
+              <a:rPr b="1" lang="en" sz="1050">
+                <a:solidFill>
+                  <a:srgbClr val="000000"/>
+                </a:solidFill>
+                <a:highlight>
+                  <a:srgbClr val="FFFFFE"/>
+                </a:highlight>
+                <a:latin typeface="Courier New"/>
+                <a:ea typeface="Courier New"/>
+                <a:cs typeface="Courier New"/>
+                <a:sym typeface="Courier New"/>
               </a:rPr>
-              <a:t>Extract for assist-specific features in order to develop an Expected Assist (xA) metric</a:t>
+              <a:t>Extract more assist-specific features in order to develop an Expected Assist (xA) metric</a:t>
             </a:r>
             <a:endParaRPr sz="2000">
               <a:solidFill>
@@ -21063,6 +21098,285 @@
 </file>
 
 <file path=ppt/theme/theme1.xml><?xml version="1.0" encoding="utf-8"?>
+<a:theme xmlns:a="http://schemas.openxmlformats.org/drawingml/2006/main" xmlns:r="http://schemas.openxmlformats.org/officeDocument/2006/relationships">
+  <a:themeElements>
+    <a:clrScheme name="Default">
+      <a:dk1>
+        <a:srgbClr val="000000"/>
+      </a:dk1>
+      <a:lt1>
+        <a:srgbClr val="FFFFFF"/>
+      </a:lt1>
+      <a:dk2>
+        <a:srgbClr val="158158"/>
+      </a:dk2>
+      <a:lt2>
+        <a:srgbClr val="F3F3F3"/>
+      </a:lt2>
+      <a:accent1>
+        <a:srgbClr val="058DC7"/>
+      </a:accent1>
+      <a:accent2>
+        <a:srgbClr val="50B432"/>
+      </a:accent2>
+      <a:accent3>
+        <a:srgbClr val="ED561B"/>
+      </a:accent3>
+      <a:accent4>
+        <a:srgbClr val="EDEF00"/>
+      </a:accent4>
+      <a:accent5>
+        <a:srgbClr val="24CBE5"/>
+      </a:accent5>
+      <a:accent6>
+        <a:srgbClr val="64E572"/>
+      </a:accent6>
+      <a:hlink>
+        <a:srgbClr val="2200CC"/>
+      </a:hlink>
+      <a:folHlink>
+        <a:srgbClr val="551A8B"/>
+      </a:folHlink>
+    </a:clrScheme>
+    <a:fontScheme name="Office">
+      <a:majorFont>
+        <a:latin typeface="Arial"/>
+        <a:ea typeface=""/>
+        <a:cs typeface=""/>
+        <a:font script="Jpan" typeface="ＭＳ Ｐゴシック"/>
+        <a:font script="Hang" typeface="맑은 고딕"/>
+        <a:font script="Hans" typeface="宋体"/>
+        <a:font script="Hant" typeface="新細明體"/>
+        <a:font script="Arab" typeface="Times New Roman"/>
+        <a:font script="Hebr" typeface="Times New Roman"/>
+        <a:font script="Thai" typeface="Angsana New"/>
+        <a:font script="Ethi" typeface="Nyala"/>
+        <a:font script="Beng" typeface="Vrinda"/>
+        <a:font script="Gujr" typeface="Shruti"/>
+        <a:font script="Khmr" typeface="MoolBoran"/>
+        <a:font script="Knda" typeface="Tunga"/>
+        <a:font script="Guru" typeface="Raavi"/>
+        <a:font script="Cans" typeface="Euphemia"/>
+        <a:font script="Cher" typeface="Plantagenet Cherokee"/>
+        <a:font script="Yiii" typeface="Microsoft Yi Baiti"/>
+        <a:font script="Tibt" typeface="Microsoft Himalaya"/>
+        <a:font script="Thaa" typeface="MV Boli"/>
+        <a:font script="Deva" typeface="Mangal"/>
+        <a:font script="Telu" typeface="Gautami"/>
+        <a:font script="Taml" typeface="Latha"/>
+        <a:font script="Syrc" typeface="Estrangelo Edessa"/>
+        <a:font script="Orya" typeface="Kalinga"/>
+        <a:font script="Mlym" typeface="Kartika"/>
+        <a:font script="Laoo" typeface="DokChampa"/>
+        <a:font script="Sinh" typeface="Iskoola Pota"/>
+        <a:font script="Mong" typeface="Mongolian Baiti"/>
+        <a:font script="Viet" typeface="Times New Roman"/>
+        <a:font script="Uigh" typeface="Microsoft Uighur"/>
+        <a:font script="Geor" typeface="Sylfaen"/>
+      </a:majorFont>
+      <a:minorFont>
+        <a:latin typeface="Arial"/>
+        <a:ea typeface=""/>
+        <a:cs typeface=""/>
+        <a:font script="Jpan" typeface="ＭＳ Ｐゴシック"/>
+        <a:font script="Hang" typeface="맑은 고딕"/>
+        <a:font script="Hans" typeface="宋体"/>
+        <a:font script="Hant" typeface="新細明體"/>
+        <a:font script="Arab" typeface="Arial"/>
+        <a:font script="Hebr" typeface="Arial"/>
+        <a:font script="Thai" typeface="Cordia New"/>
+        <a:font script="Ethi" typeface="Nyala"/>
+        <a:font script="Beng" typeface="Vrinda"/>
+        <a:font script="Gujr" typeface="Shruti"/>
+        <a:font script="Khmr" typeface="DaunPenh"/>
+        <a:font script="Knda" typeface="Tunga"/>
+        <a:font script="Guru" typeface="Raavi"/>
+        <a:font script="Cans" typeface="Euphemia"/>
+        <a:font script="Cher" typeface="Plantagenet Cherokee"/>
+        <a:font script="Yiii" typeface="Microsoft Yi Baiti"/>
+        <a:font script="Tibt" typeface="Microsoft Himalaya"/>
+        <a:font script="Thaa" typeface="MV Boli"/>
+        <a:font script="Deva" typeface="Mangal"/>
+        <a:font script="Telu" typeface="Gautami"/>
+        <a:font script="Taml" typeface="Latha"/>
+        <a:font script="Syrc" typeface="Estrangelo Edessa"/>
+        <a:font script="Orya" typeface="Kalinga"/>
+        <a:font script="Mlym" typeface="Kartika"/>
+        <a:font script="Laoo" typeface="DokChampa"/>
+        <a:font script="Sinh" typeface="Iskoola Pota"/>
+        <a:font script="Mong" typeface="Mongolian Baiti"/>
+        <a:font script="Viet" typeface="Arial"/>
+        <a:font script="Uigh" typeface="Microsoft Uighur"/>
+        <a:font script="Geor" typeface="Sylfaen"/>
+      </a:minorFont>
+    </a:fontScheme>
+    <a:fmtScheme name="Office">
+      <a:fillStyleLst>
+        <a:solidFill>
+          <a:schemeClr val="phClr"/>
+        </a:solidFill>
+        <a:gradFill rotWithShape="1">
+          <a:gsLst>
+            <a:gs pos="0">
+              <a:schemeClr val="phClr">
+                <a:tint val="50000"/>
+                <a:satMod val="300000"/>
+              </a:schemeClr>
+            </a:gs>
+            <a:gs pos="35000">
+              <a:schemeClr val="phClr">
+                <a:tint val="37000"/>
+                <a:satMod val="300000"/>
+              </a:schemeClr>
+            </a:gs>
+            <a:gs pos="100000">
+              <a:schemeClr val="phClr">
+                <a:tint val="15000"/>
+                <a:satMod val="350000"/>
+              </a:schemeClr>
+            </a:gs>
+          </a:gsLst>
+          <a:lin ang="16200000" scaled="1"/>
+        </a:gradFill>
+        <a:gradFill rotWithShape="1">
+          <a:gsLst>
+            <a:gs pos="0">
+              <a:schemeClr val="phClr">
+                <a:tint val="100000"/>
+                <a:shade val="100000"/>
+                <a:satMod val="130000"/>
+              </a:schemeClr>
+            </a:gs>
+            <a:gs pos="100000">
+              <a:schemeClr val="phClr">
+                <a:tint val="50000"/>
+                <a:shade val="100000"/>
+                <a:satMod val="350000"/>
+              </a:schemeClr>
+            </a:gs>
+          </a:gsLst>
+          <a:lin ang="16200000" scaled="0"/>
+        </a:gradFill>
+      </a:fillStyleLst>
+      <a:lnStyleLst>
+        <a:ln w="9525" cap="flat" cmpd="sng" algn="ctr">
+          <a:solidFill>
+            <a:schemeClr val="phClr">
+              <a:shade val="95000"/>
+              <a:satMod val="105000"/>
+            </a:schemeClr>
+          </a:solidFill>
+          <a:prstDash val="solid"/>
+        </a:ln>
+        <a:ln w="25400" cap="flat" cmpd="sng" algn="ctr">
+          <a:solidFill>
+            <a:schemeClr val="phClr"/>
+          </a:solidFill>
+          <a:prstDash val="solid"/>
+        </a:ln>
+        <a:ln w="38100" cap="flat" cmpd="sng" algn="ctr">
+          <a:solidFill>
+            <a:schemeClr val="phClr"/>
+          </a:solidFill>
+          <a:prstDash val="solid"/>
+        </a:ln>
+      </a:lnStyleLst>
+      <a:effectStyleLst>
+        <a:effectStyle>
+          <a:effectLst>
+            <a:outerShdw blurRad="40000" dist="20000" dir="5400000" rotWithShape="0">
+              <a:srgbClr val="000000">
+                <a:alpha val="38000"/>
+              </a:srgbClr>
+            </a:outerShdw>
+          </a:effectLst>
+        </a:effectStyle>
+        <a:effectStyle>
+          <a:effectLst>
+            <a:outerShdw blurRad="40000" dist="23000" dir="5400000" rotWithShape="0">
+              <a:srgbClr val="000000">
+                <a:alpha val="35000"/>
+              </a:srgbClr>
+            </a:outerShdw>
+          </a:effectLst>
+        </a:effectStyle>
+        <a:effectStyle>
+          <a:effectLst>
+            <a:outerShdw blurRad="40000" dist="23000" dir="5400000" rotWithShape="0">
+              <a:srgbClr val="000000">
+                <a:alpha val="35000"/>
+              </a:srgbClr>
+            </a:outerShdw>
+          </a:effectLst>
+          <a:scene3d>
+            <a:camera prst="orthographicFront">
+              <a:rot lat="0" lon="0" rev="0"/>
+            </a:camera>
+            <a:lightRig rig="threePt" dir="t">
+              <a:rot lat="0" lon="0" rev="1200000"/>
+            </a:lightRig>
+          </a:scene3d>
+          <a:sp3d>
+            <a:bevelT w="63500" h="25400"/>
+          </a:sp3d>
+        </a:effectStyle>
+      </a:effectStyleLst>
+      <a:bgFillStyleLst>
+        <a:solidFill>
+          <a:schemeClr val="phClr"/>
+        </a:solidFill>
+        <a:gradFill rotWithShape="1">
+          <a:gsLst>
+            <a:gs pos="0">
+              <a:schemeClr val="phClr">
+                <a:tint val="40000"/>
+                <a:satMod val="350000"/>
+              </a:schemeClr>
+            </a:gs>
+            <a:gs pos="40000">
+              <a:schemeClr val="phClr">
+                <a:tint val="45000"/>
+                <a:shade val="99000"/>
+                <a:satMod val="350000"/>
+              </a:schemeClr>
+            </a:gs>
+            <a:gs pos="100000">
+              <a:schemeClr val="phClr">
+                <a:shade val="20000"/>
+                <a:satMod val="255000"/>
+              </a:schemeClr>
+            </a:gs>
+          </a:gsLst>
+          <a:path path="circle">
+            <a:fillToRect l="50000" t="-80000" r="50000" b="180000"/>
+          </a:path>
+        </a:gradFill>
+        <a:gradFill rotWithShape="1">
+          <a:gsLst>
+            <a:gs pos="0">
+              <a:schemeClr val="phClr">
+                <a:tint val="80000"/>
+                <a:satMod val="300000"/>
+              </a:schemeClr>
+            </a:gs>
+            <a:gs pos="100000">
+              <a:schemeClr val="phClr">
+                <a:shade val="30000"/>
+                <a:satMod val="200000"/>
+              </a:schemeClr>
+            </a:gs>
+          </a:gsLst>
+          <a:path path="circle">
+            <a:fillToRect l="50000" t="50000" r="50000" b="50000"/>
+          </a:path>
+        </a:gradFill>
+      </a:bgFillStyleLst>
+    </a:fmtScheme>
+  </a:themeElements>
+</a:theme>
+</file>
+
+<file path=ppt/theme/theme2.xml><?xml version="1.0" encoding="utf-8"?>
 <a:theme xmlns:a="http://schemas.openxmlformats.org/drawingml/2006/main" xmlns:r="http://schemas.openxmlformats.org/officeDocument/2006/relationships" name="Spearmint">
   <a:themeElements>
     <a:clrScheme name="Spearmint">
@@ -21339,283 +21653,4 @@
     </a:fmtScheme>
   </a:themeElements>
 </a:theme>
-</file>
-
-<file path=ppt/theme/theme2.xml><?xml version="1.0" encoding="utf-8"?>
-<a:theme xmlns:a="http://schemas.openxmlformats.org/drawingml/2006/main" xmlns:r="http://schemas.openxmlformats.org/officeDocument/2006/relationships">
-  <a:themeElements>
-    <a:clrScheme name="Default">
-      <a:dk1>
-        <a:srgbClr val="000000"/>
-      </a:dk1>
-      <a:lt1>
-        <a:srgbClr val="FFFFFF"/>
-      </a:lt1>
-      <a:dk2>
-        <a:srgbClr val="158158"/>
-      </a:dk2>
-      <a:lt2>
-        <a:srgbClr val="F3F3F3"/>
-      </a:lt2>
-      <a:accent1>
-        <a:srgbClr val="058DC7"/>
-      </a:accent1>
-      <a:accent2>
-        <a:srgbClr val="50B432"/>
-      </a:accent2>
-      <a:accent3>
-        <a:srgbClr val="ED561B"/>
-      </a:accent3>
-      <a:accent4>
-        <a:srgbClr val="EDEF00"/>
-      </a:accent4>
-      <a:accent5>
-        <a:srgbClr val="24CBE5"/>
-      </a:accent5>
-      <a:accent6>
-        <a:srgbClr val="64E572"/>
-      </a:accent6>
-      <a:hlink>
-        <a:srgbClr val="2200CC"/>
-      </a:hlink>
-      <a:folHlink>
-        <a:srgbClr val="551A8B"/>
-      </a:folHlink>
-    </a:clrScheme>
-    <a:fontScheme name="Office">
-      <a:majorFont>
-        <a:latin typeface="Arial"/>
-        <a:ea typeface=""/>
-        <a:cs typeface=""/>
-        <a:font script="Jpan" typeface="ＭＳ Ｐゴシック"/>
-        <a:font script="Hang" typeface="맑은 고딕"/>
-        <a:font script="Hans" typeface="宋体"/>
-        <a:font script="Hant" typeface="新細明體"/>
-        <a:font script="Arab" typeface="Times New Roman"/>
-        <a:font script="Hebr" typeface="Times New Roman"/>
-        <a:font script="Thai" typeface="Angsana New"/>
-        <a:font script="Ethi" typeface="Nyala"/>
-        <a:font script="Beng" typeface="Vrinda"/>
-        <a:font script="Gujr" typeface="Shruti"/>
-        <a:font script="Khmr" typeface="MoolBoran"/>
-        <a:font script="Knda" typeface="Tunga"/>
-        <a:font script="Guru" typeface="Raavi"/>
-        <a:font script="Cans" typeface="Euphemia"/>
-        <a:font script="Cher" typeface="Plantagenet Cherokee"/>
-        <a:font script="Yiii" typeface="Microsoft Yi Baiti"/>
-        <a:font script="Tibt" typeface="Microsoft Himalaya"/>
-        <a:font script="Thaa" typeface="MV Boli"/>
-        <a:font script="Deva" typeface="Mangal"/>
-        <a:font script="Telu" typeface="Gautami"/>
-        <a:font script="Taml" typeface="Latha"/>
-        <a:font script="Syrc" typeface="Estrangelo Edessa"/>
-        <a:font script="Orya" typeface="Kalinga"/>
-        <a:font script="Mlym" typeface="Kartika"/>
-        <a:font script="Laoo" typeface="DokChampa"/>
-        <a:font script="Sinh" typeface="Iskoola Pota"/>
-        <a:font script="Mong" typeface="Mongolian Baiti"/>
-        <a:font script="Viet" typeface="Times New Roman"/>
-        <a:font script="Uigh" typeface="Microsoft Uighur"/>
-        <a:font script="Geor" typeface="Sylfaen"/>
-      </a:majorFont>
-      <a:minorFont>
-        <a:latin typeface="Arial"/>
-        <a:ea typeface=""/>
-        <a:cs typeface=""/>
-        <a:font script="Jpan" typeface="ＭＳ Ｐゴシック"/>
-        <a:font script="Hang" typeface="맑은 고딕"/>
-        <a:font script="Hans" typeface="宋体"/>
-        <a:font script="Hant" typeface="新細明體"/>
-        <a:font script="Arab" typeface="Arial"/>
-        <a:font script="Hebr" typeface="Arial"/>
-        <a:font script="Thai" typeface="Cordia New"/>
-        <a:font script="Ethi" typeface="Nyala"/>
-        <a:font script="Beng" typeface="Vrinda"/>
-        <a:font script="Gujr" typeface="Shruti"/>
-        <a:font script="Khmr" typeface="DaunPenh"/>
-        <a:font script="Knda" typeface="Tunga"/>
-        <a:font script="Guru" typeface="Raavi"/>
-        <a:font script="Cans" typeface="Euphemia"/>
-        <a:font script="Cher" typeface="Plantagenet Cherokee"/>
-        <a:font script="Yiii" typeface="Microsoft Yi Baiti"/>
-        <a:font script="Tibt" typeface="Microsoft Himalaya"/>
-        <a:font script="Thaa" typeface="MV Boli"/>
-        <a:font script="Deva" typeface="Mangal"/>
-        <a:font script="Telu" typeface="Gautami"/>
-        <a:font script="Taml" typeface="Latha"/>
-        <a:font script="Syrc" typeface="Estrangelo Edessa"/>
-        <a:font script="Orya" typeface="Kalinga"/>
-        <a:font script="Mlym" typeface="Kartika"/>
-        <a:font script="Laoo" typeface="DokChampa"/>
-        <a:font script="Sinh" typeface="Iskoola Pota"/>
-        <a:font script="Mong" typeface="Mongolian Baiti"/>
-        <a:font script="Viet" typeface="Arial"/>
-        <a:font script="Uigh" typeface="Microsoft Uighur"/>
-        <a:font script="Geor" typeface="Sylfaen"/>
-      </a:minorFont>
-    </a:fontScheme>
-    <a:fmtScheme name="Office">
-      <a:fillStyleLst>
-        <a:solidFill>
-          <a:schemeClr val="phClr"/>
-        </a:solidFill>
-        <a:gradFill rotWithShape="1">
-          <a:gsLst>
-            <a:gs pos="0">
-              <a:schemeClr val="phClr">
-                <a:tint val="50000"/>
-                <a:satMod val="300000"/>
-              </a:schemeClr>
-            </a:gs>
-            <a:gs pos="35000">
-              <a:schemeClr val="phClr">
-                <a:tint val="37000"/>
-                <a:satMod val="300000"/>
-              </a:schemeClr>
-            </a:gs>
-            <a:gs pos="100000">
-              <a:schemeClr val="phClr">
-                <a:tint val="15000"/>
-                <a:satMod val="350000"/>
-              </a:schemeClr>
-            </a:gs>
-          </a:gsLst>
-          <a:lin ang="16200000" scaled="1"/>
-        </a:gradFill>
-        <a:gradFill rotWithShape="1">
-          <a:gsLst>
-            <a:gs pos="0">
-              <a:schemeClr val="phClr">
-                <a:tint val="100000"/>
-                <a:shade val="100000"/>
-                <a:satMod val="130000"/>
-              </a:schemeClr>
-            </a:gs>
-            <a:gs pos="100000">
-              <a:schemeClr val="phClr">
-                <a:tint val="50000"/>
-                <a:shade val="100000"/>
-                <a:satMod val="350000"/>
-              </a:schemeClr>
-            </a:gs>
-          </a:gsLst>
-          <a:lin ang="16200000" scaled="0"/>
-        </a:gradFill>
-      </a:fillStyleLst>
-      <a:lnStyleLst>
-        <a:ln w="9525" cap="flat" cmpd="sng" algn="ctr">
-          <a:solidFill>
-            <a:schemeClr val="phClr">
-              <a:shade val="95000"/>
-              <a:satMod val="105000"/>
-            </a:schemeClr>
-          </a:solidFill>
-          <a:prstDash val="solid"/>
-        </a:ln>
-        <a:ln w="25400" cap="flat" cmpd="sng" algn="ctr">
-          <a:solidFill>
-            <a:schemeClr val="phClr"/>
-          </a:solidFill>
-          <a:prstDash val="solid"/>
-        </a:ln>
-        <a:ln w="38100" cap="flat" cmpd="sng" algn="ctr">
-          <a:solidFill>
-            <a:schemeClr val="phClr"/>
-          </a:solidFill>
-          <a:prstDash val="solid"/>
-        </a:ln>
-      </a:lnStyleLst>
-      <a:effectStyleLst>
-        <a:effectStyle>
-          <a:effectLst>
-            <a:outerShdw blurRad="40000" dist="20000" dir="5400000" rotWithShape="0">
-              <a:srgbClr val="000000">
-                <a:alpha val="38000"/>
-              </a:srgbClr>
-            </a:outerShdw>
-          </a:effectLst>
-        </a:effectStyle>
-        <a:effectStyle>
-          <a:effectLst>
-            <a:outerShdw blurRad="40000" dist="23000" dir="5400000" rotWithShape="0">
-              <a:srgbClr val="000000">
-                <a:alpha val="35000"/>
-              </a:srgbClr>
-            </a:outerShdw>
-          </a:effectLst>
-        </a:effectStyle>
-        <a:effectStyle>
-          <a:effectLst>
-            <a:outerShdw blurRad="40000" dist="23000" dir="5400000" rotWithShape="0">
-              <a:srgbClr val="000000">
-                <a:alpha val="35000"/>
-              </a:srgbClr>
-            </a:outerShdw>
-          </a:effectLst>
-          <a:scene3d>
-            <a:camera prst="orthographicFront">
-              <a:rot lat="0" lon="0" rev="0"/>
-            </a:camera>
-            <a:lightRig rig="threePt" dir="t">
-              <a:rot lat="0" lon="0" rev="1200000"/>
-            </a:lightRig>
-          </a:scene3d>
-          <a:sp3d>
-            <a:bevelT w="63500" h="25400"/>
-          </a:sp3d>
-        </a:effectStyle>
-      </a:effectStyleLst>
-      <a:bgFillStyleLst>
-        <a:solidFill>
-          <a:schemeClr val="phClr"/>
-        </a:solidFill>
-        <a:gradFill rotWithShape="1">
-          <a:gsLst>
-            <a:gs pos="0">
-              <a:schemeClr val="phClr">
-                <a:tint val="40000"/>
-                <a:satMod val="350000"/>
-              </a:schemeClr>
-            </a:gs>
-            <a:gs pos="40000">
-              <a:schemeClr val="phClr">
-                <a:tint val="45000"/>
-                <a:shade val="99000"/>
-                <a:satMod val="350000"/>
-              </a:schemeClr>
-            </a:gs>
-            <a:gs pos="100000">
-              <a:schemeClr val="phClr">
-                <a:shade val="20000"/>
-                <a:satMod val="255000"/>
-              </a:schemeClr>
-            </a:gs>
-          </a:gsLst>
-          <a:path path="circle">
-            <a:fillToRect l="50000" t="-80000" r="50000" b="180000"/>
-          </a:path>
-        </a:gradFill>
-        <a:gradFill rotWithShape="1">
-          <a:gsLst>
-            <a:gs pos="0">
-              <a:schemeClr val="phClr">
-                <a:tint val="80000"/>
-                <a:satMod val="300000"/>
-              </a:schemeClr>
-            </a:gs>
-            <a:gs pos="100000">
-              <a:schemeClr val="phClr">
-                <a:shade val="30000"/>
-                <a:satMod val="200000"/>
-              </a:schemeClr>
-            </a:gs>
-          </a:gsLst>
-          <a:path path="circle">
-            <a:fillToRect l="50000" t="50000" r="50000" b="50000"/>
-          </a:path>
-        </a:gradFill>
-      </a:bgFillStyleLst>
-    </a:fmtScheme>
-  </a:themeElements>
-</a:theme>
 </file>